--- a/presentation/AVP Final Presentation.pptx
+++ b/presentation/AVP Final Presentation.pptx
@@ -13,6 +13,7 @@
     <p:sldId id="270" r:id="rId7"/>
     <p:sldId id="265" r:id="rId8"/>
     <p:sldId id="269" r:id="rId9"/>
+    <p:sldId id="272" r:id="rId10"/>
   </p:sldIdLst>
   <p:sldSz cx="12192000" cy="6858000"/>
   <p:notesSz cx="6858000" cy="9144000"/>
@@ -111,6 +112,11 @@
       </a:defRPr>
     </a:lvl9pPr>
   </p:defaultTextStyle>
+  <p:extLst>
+    <p:ext uri="{EFAFB233-063F-42B5-8137-9DF3F51BA10A}">
+      <p15:sldGuideLst xmlns:p15="http://schemas.microsoft.com/office/powerpoint/2012/main"/>
+    </p:ext>
+  </p:extLst>
 </p:presentation>
 </file>
 
@@ -649,7 +655,7 @@
           </a:lstStyle>
           <a:p>
             <a:r>
-              <a:rPr lang="en-US" smtClean="0"/>
+              <a:rPr lang="en-US"/>
               <a:t>Click to edit Master title style</a:t>
             </a:r>
             <a:endParaRPr lang="en-US" dirty="0"/>
@@ -766,7 +772,7 @@
           </a:lstStyle>
           <a:p>
             <a:r>
-              <a:rPr lang="en-US" smtClean="0"/>
+              <a:rPr lang="en-US"/>
               <a:t>Click to edit Master subtitle style</a:t>
             </a:r>
             <a:endParaRPr lang="en-US" dirty="0"/>
@@ -1790,7 +1796,7 @@
           </a:lstStyle>
           <a:p>
             <a:r>
-              <a:rPr lang="en-US" smtClean="0"/>
+              <a:rPr lang="en-US"/>
               <a:t>Click to edit Master title style</a:t>
             </a:r>
             <a:endParaRPr lang="en-US" dirty="0"/>
@@ -1869,7 +1875,7 @@
           </a:lstStyle>
           <a:p>
             <a:r>
-              <a:rPr lang="en-US" smtClean="0"/>
+              <a:rPr lang="en-US"/>
               <a:t>Click icon to add picture</a:t>
             </a:r>
             <a:endParaRPr lang="en-US" dirty="0"/>
@@ -1941,7 +1947,7 @@
           <a:p>
             <a:pPr lvl="0"/>
             <a:r>
-              <a:rPr lang="en-US" smtClean="0"/>
+              <a:rPr lang="en-US"/>
               <a:t>Edit Master text styles</a:t>
             </a:r>
           </a:p>
@@ -2927,7 +2933,7 @@
           </a:lstStyle>
           <a:p>
             <a:r>
-              <a:rPr lang="en-US" smtClean="0"/>
+              <a:rPr lang="en-US"/>
               <a:t>Click to edit Master title style</a:t>
             </a:r>
             <a:endParaRPr lang="en-US" dirty="0"/>
@@ -2995,7 +3001,7 @@
           <a:p>
             <a:pPr lvl="0"/>
             <a:r>
-              <a:rPr lang="en-US" smtClean="0"/>
+              <a:rPr lang="en-US"/>
               <a:t>Edit Master text styles</a:t>
             </a:r>
           </a:p>
@@ -4067,7 +4073,7 @@
           </a:lstStyle>
           <a:p>
             <a:r>
-              <a:rPr lang="en-US" smtClean="0"/>
+              <a:rPr lang="en-US"/>
               <a:t>Click to edit Master title style</a:t>
             </a:r>
             <a:endParaRPr lang="en-US" dirty="0"/>
@@ -4141,7 +4147,7 @@
           <a:p>
             <a:pPr lvl="0"/>
             <a:r>
-              <a:rPr lang="en-US" smtClean="0"/>
+              <a:rPr lang="en-US"/>
               <a:t>Edit Master text styles</a:t>
             </a:r>
           </a:p>
@@ -4208,7 +4214,7 @@
           <a:p>
             <a:pPr lvl="0"/>
             <a:r>
-              <a:rPr lang="en-US" smtClean="0"/>
+              <a:rPr lang="en-US"/>
               <a:t>Edit Master text styles</a:t>
             </a:r>
           </a:p>
@@ -5194,7 +5200,7 @@
           </a:lstStyle>
           <a:p>
             <a:r>
-              <a:rPr lang="en-US" smtClean="0"/>
+              <a:rPr lang="en-US"/>
               <a:t>Click to edit Master title style</a:t>
             </a:r>
             <a:endParaRPr lang="en-US" dirty="0"/>
@@ -5312,7 +5318,7 @@
           <a:p>
             <a:pPr lvl="0"/>
             <a:r>
-              <a:rPr lang="en-US" smtClean="0"/>
+              <a:rPr lang="en-US"/>
               <a:t>Edit Master text styles</a:t>
             </a:r>
           </a:p>
@@ -5475,7 +5481,7 @@
           <a:lstStyle/>
           <a:p>
             <a:r>
-              <a:rPr lang="en-US" smtClean="0"/>
+              <a:rPr lang="en-US"/>
               <a:t>Click to edit Master title style</a:t>
             </a:r>
             <a:endParaRPr lang="en-US" dirty="0"/>
@@ -5547,7 +5553,7 @@
           <a:p>
             <a:pPr lvl="0"/>
             <a:r>
-              <a:rPr lang="en-US" smtClean="0"/>
+              <a:rPr lang="en-US"/>
               <a:t>Edit Master text styles</a:t>
             </a:r>
           </a:p>
@@ -5614,7 +5620,7 @@
           <a:p>
             <a:pPr lvl="0"/>
             <a:r>
-              <a:rPr lang="en-US" smtClean="0"/>
+              <a:rPr lang="en-US"/>
               <a:t>Edit Master text styles</a:t>
             </a:r>
           </a:p>
@@ -5685,7 +5691,7 @@
           <a:p>
             <a:pPr lvl="0"/>
             <a:r>
-              <a:rPr lang="en-US" smtClean="0"/>
+              <a:rPr lang="en-US"/>
               <a:t>Edit Master text styles</a:t>
             </a:r>
           </a:p>
@@ -5752,7 +5758,7 @@
           <a:p>
             <a:pPr lvl="0"/>
             <a:r>
-              <a:rPr lang="en-US" smtClean="0"/>
+              <a:rPr lang="en-US"/>
               <a:t>Edit Master text styles</a:t>
             </a:r>
           </a:p>
@@ -5823,7 +5829,7 @@
           <a:p>
             <a:pPr lvl="0"/>
             <a:r>
-              <a:rPr lang="en-US" smtClean="0"/>
+              <a:rPr lang="en-US"/>
               <a:t>Edit Master text styles</a:t>
             </a:r>
           </a:p>
@@ -5890,7 +5896,7 @@
           <a:p>
             <a:pPr lvl="0"/>
             <a:r>
-              <a:rPr lang="en-US" smtClean="0"/>
+              <a:rPr lang="en-US"/>
               <a:t>Edit Master text styles</a:t>
             </a:r>
           </a:p>
@@ -6085,7 +6091,7 @@
           </a:lstStyle>
           <a:p>
             <a:r>
-              <a:rPr lang="en-US" smtClean="0"/>
+              <a:rPr lang="en-US"/>
               <a:t>Click to edit Master title style</a:t>
             </a:r>
             <a:endParaRPr lang="en-US" dirty="0"/>
@@ -6157,7 +6163,7 @@
           <a:p>
             <a:pPr lvl="0"/>
             <a:r>
-              <a:rPr lang="en-US" smtClean="0"/>
+              <a:rPr lang="en-US"/>
               <a:t>Edit Master text styles</a:t>
             </a:r>
           </a:p>
@@ -6235,7 +6241,7 @@
           </a:lstStyle>
           <a:p>
             <a:r>
-              <a:rPr lang="en-US" smtClean="0"/>
+              <a:rPr lang="en-US"/>
               <a:t>Click icon to add picture</a:t>
             </a:r>
             <a:endParaRPr lang="en-US" dirty="0"/>
@@ -6303,7 +6309,7 @@
           <a:p>
             <a:pPr lvl="0"/>
             <a:r>
-              <a:rPr lang="en-US" smtClean="0"/>
+              <a:rPr lang="en-US"/>
               <a:t>Edit Master text styles</a:t>
             </a:r>
           </a:p>
@@ -6374,7 +6380,7 @@
           <a:p>
             <a:pPr lvl="0"/>
             <a:r>
-              <a:rPr lang="en-US" smtClean="0"/>
+              <a:rPr lang="en-US"/>
               <a:t>Edit Master text styles</a:t>
             </a:r>
           </a:p>
@@ -6452,7 +6458,7 @@
           </a:lstStyle>
           <a:p>
             <a:r>
-              <a:rPr lang="en-US" smtClean="0"/>
+              <a:rPr lang="en-US"/>
               <a:t>Click icon to add picture</a:t>
             </a:r>
             <a:endParaRPr lang="en-US" dirty="0"/>
@@ -6520,7 +6526,7 @@
           <a:p>
             <a:pPr lvl="0"/>
             <a:r>
-              <a:rPr lang="en-US" smtClean="0"/>
+              <a:rPr lang="en-US"/>
               <a:t>Edit Master text styles</a:t>
             </a:r>
           </a:p>
@@ -6591,7 +6597,7 @@
           <a:p>
             <a:pPr lvl="0"/>
             <a:r>
-              <a:rPr lang="en-US" smtClean="0"/>
+              <a:rPr lang="en-US"/>
               <a:t>Edit Master text styles</a:t>
             </a:r>
           </a:p>
@@ -6669,7 +6675,7 @@
           </a:lstStyle>
           <a:p>
             <a:r>
-              <a:rPr lang="en-US" smtClean="0"/>
+              <a:rPr lang="en-US"/>
               <a:t>Click icon to add picture</a:t>
             </a:r>
             <a:endParaRPr lang="en-US" dirty="0"/>
@@ -6737,7 +6743,7 @@
           <a:p>
             <a:pPr lvl="0"/>
             <a:r>
-              <a:rPr lang="en-US" smtClean="0"/>
+              <a:rPr lang="en-US"/>
               <a:t>Edit Master text styles</a:t>
             </a:r>
           </a:p>
@@ -6938,7 +6944,7 @@
           <a:lstStyle/>
           <a:p>
             <a:r>
-              <a:rPr lang="en-US" smtClean="0"/>
+              <a:rPr lang="en-US"/>
               <a:t>Click to edit Master title style</a:t>
             </a:r>
             <a:endParaRPr lang="en-US" dirty="0"/>
@@ -6967,35 +6973,35 @@
           <a:p>
             <a:pPr lvl="0"/>
             <a:r>
-              <a:rPr lang="en-US" smtClean="0"/>
+              <a:rPr lang="en-US"/>
               <a:t>Edit Master text styles</a:t>
             </a:r>
           </a:p>
           <a:p>
             <a:pPr lvl="1"/>
             <a:r>
-              <a:rPr lang="en-US" smtClean="0"/>
+              <a:rPr lang="en-US"/>
               <a:t>Second level</a:t>
             </a:r>
           </a:p>
           <a:p>
             <a:pPr lvl="2"/>
             <a:r>
-              <a:rPr lang="en-US" smtClean="0"/>
+              <a:rPr lang="en-US"/>
               <a:t>Third level</a:t>
             </a:r>
           </a:p>
           <a:p>
             <a:pPr lvl="3"/>
             <a:r>
-              <a:rPr lang="en-US" smtClean="0"/>
+              <a:rPr lang="en-US"/>
               <a:t>Fourth level</a:t>
             </a:r>
           </a:p>
           <a:p>
             <a:pPr lvl="4"/>
             <a:r>
-              <a:rPr lang="en-US" smtClean="0"/>
+              <a:rPr lang="en-US"/>
               <a:t>Fifth level</a:t>
             </a:r>
             <a:endParaRPr lang="en-US" dirty="0"/>
@@ -7979,7 +7985,7 @@
           <a:lstStyle/>
           <a:p>
             <a:r>
-              <a:rPr lang="en-US" smtClean="0"/>
+              <a:rPr lang="en-US"/>
               <a:t>Click to edit Master title style</a:t>
             </a:r>
             <a:endParaRPr lang="en-US" dirty="0"/>
@@ -8008,35 +8014,35 @@
           <a:p>
             <a:pPr lvl="0"/>
             <a:r>
-              <a:rPr lang="en-US" smtClean="0"/>
+              <a:rPr lang="en-US"/>
               <a:t>Edit Master text styles</a:t>
             </a:r>
           </a:p>
           <a:p>
             <a:pPr lvl="1"/>
             <a:r>
-              <a:rPr lang="en-US" smtClean="0"/>
+              <a:rPr lang="en-US"/>
               <a:t>Second level</a:t>
             </a:r>
           </a:p>
           <a:p>
             <a:pPr lvl="2"/>
             <a:r>
-              <a:rPr lang="en-US" smtClean="0"/>
+              <a:rPr lang="en-US"/>
               <a:t>Third level</a:t>
             </a:r>
           </a:p>
           <a:p>
             <a:pPr lvl="3"/>
             <a:r>
-              <a:rPr lang="en-US" smtClean="0"/>
+              <a:rPr lang="en-US"/>
               <a:t>Fourth level</a:t>
             </a:r>
           </a:p>
           <a:p>
             <a:pPr lvl="4"/>
             <a:r>
-              <a:rPr lang="en-US" smtClean="0"/>
+              <a:rPr lang="en-US"/>
               <a:t>Fifth level</a:t>
             </a:r>
             <a:endParaRPr lang="en-US" dirty="0"/>
@@ -8200,7 +8206,7 @@
           <a:lstStyle/>
           <a:p>
             <a:r>
-              <a:rPr lang="en-US" smtClean="0"/>
+              <a:rPr lang="en-US"/>
               <a:t>Click to edit Master title style</a:t>
             </a:r>
             <a:endParaRPr lang="en-US" dirty="0"/>
@@ -8224,35 +8230,35 @@
           <a:p>
             <a:pPr lvl="0"/>
             <a:r>
-              <a:rPr lang="en-US" smtClean="0"/>
+              <a:rPr lang="en-US"/>
               <a:t>Edit Master text styles</a:t>
             </a:r>
           </a:p>
           <a:p>
             <a:pPr lvl="1"/>
             <a:r>
-              <a:rPr lang="en-US" smtClean="0"/>
+              <a:rPr lang="en-US"/>
               <a:t>Second level</a:t>
             </a:r>
           </a:p>
           <a:p>
             <a:pPr lvl="2"/>
             <a:r>
-              <a:rPr lang="en-US" smtClean="0"/>
+              <a:rPr lang="en-US"/>
               <a:t>Third level</a:t>
             </a:r>
           </a:p>
           <a:p>
             <a:pPr lvl="3"/>
             <a:r>
-              <a:rPr lang="en-US" smtClean="0"/>
+              <a:rPr lang="en-US"/>
               <a:t>Fourth level</a:t>
             </a:r>
           </a:p>
           <a:p>
             <a:pPr lvl="4"/>
             <a:r>
-              <a:rPr lang="en-US" smtClean="0"/>
+              <a:rPr lang="en-US"/>
               <a:t>Fifth level</a:t>
             </a:r>
             <a:endParaRPr lang="en-US" dirty="0"/>
@@ -9240,7 +9246,7 @@
           </a:lstStyle>
           <a:p>
             <a:r>
-              <a:rPr lang="en-US" smtClean="0"/>
+              <a:rPr lang="en-US"/>
               <a:t>Click to edit Master title style</a:t>
             </a:r>
             <a:endParaRPr lang="en-US" dirty="0"/>
@@ -9358,7 +9364,7 @@
           <a:p>
             <a:pPr lvl="0"/>
             <a:r>
-              <a:rPr lang="en-US" smtClean="0"/>
+              <a:rPr lang="en-US"/>
               <a:t>Edit Master text styles</a:t>
             </a:r>
           </a:p>
@@ -9511,7 +9517,7 @@
           <a:lstStyle/>
           <a:p>
             <a:r>
-              <a:rPr lang="en-US" smtClean="0"/>
+              <a:rPr lang="en-US"/>
               <a:t>Click to edit Master title style</a:t>
             </a:r>
             <a:endParaRPr lang="en-US" dirty="0"/>
@@ -9542,35 +9548,35 @@
           <a:p>
             <a:pPr lvl="0"/>
             <a:r>
-              <a:rPr lang="en-US" smtClean="0"/>
+              <a:rPr lang="en-US"/>
               <a:t>Edit Master text styles</a:t>
             </a:r>
           </a:p>
           <a:p>
             <a:pPr lvl="1"/>
             <a:r>
-              <a:rPr lang="en-US" smtClean="0"/>
+              <a:rPr lang="en-US"/>
               <a:t>Second level</a:t>
             </a:r>
           </a:p>
           <a:p>
             <a:pPr lvl="2"/>
             <a:r>
-              <a:rPr lang="en-US" smtClean="0"/>
+              <a:rPr lang="en-US"/>
               <a:t>Third level</a:t>
             </a:r>
           </a:p>
           <a:p>
             <a:pPr lvl="3"/>
             <a:r>
-              <a:rPr lang="en-US" smtClean="0"/>
+              <a:rPr lang="en-US"/>
               <a:t>Fourth level</a:t>
             </a:r>
           </a:p>
           <a:p>
             <a:pPr lvl="4"/>
             <a:r>
-              <a:rPr lang="en-US" smtClean="0"/>
+              <a:rPr lang="en-US"/>
               <a:t>Fifth level</a:t>
             </a:r>
             <a:endParaRPr lang="en-US" dirty="0"/>
@@ -9601,35 +9607,35 @@
           <a:p>
             <a:pPr lvl="0"/>
             <a:r>
-              <a:rPr lang="en-US" smtClean="0"/>
+              <a:rPr lang="en-US"/>
               <a:t>Edit Master text styles</a:t>
             </a:r>
           </a:p>
           <a:p>
             <a:pPr lvl="1"/>
             <a:r>
-              <a:rPr lang="en-US" smtClean="0"/>
+              <a:rPr lang="en-US"/>
               <a:t>Second level</a:t>
             </a:r>
           </a:p>
           <a:p>
             <a:pPr lvl="2"/>
             <a:r>
-              <a:rPr lang="en-US" smtClean="0"/>
+              <a:rPr lang="en-US"/>
               <a:t>Third level</a:t>
             </a:r>
           </a:p>
           <a:p>
             <a:pPr lvl="3"/>
             <a:r>
-              <a:rPr lang="en-US" smtClean="0"/>
+              <a:rPr lang="en-US"/>
               <a:t>Fourth level</a:t>
             </a:r>
           </a:p>
           <a:p>
             <a:pPr lvl="4"/>
             <a:r>
-              <a:rPr lang="en-US" smtClean="0"/>
+              <a:rPr lang="en-US"/>
               <a:t>Fifth level</a:t>
             </a:r>
             <a:endParaRPr lang="en-US" dirty="0"/>
@@ -9751,7 +9757,7 @@
           </a:lstStyle>
           <a:p>
             <a:r>
-              <a:rPr lang="en-US" smtClean="0"/>
+              <a:rPr lang="en-US"/>
               <a:t>Click to edit Master title style</a:t>
             </a:r>
             <a:endParaRPr lang="en-US" dirty="0"/>
@@ -9823,7 +9829,7 @@
           <a:p>
             <a:pPr lvl="0"/>
             <a:r>
-              <a:rPr lang="en-US" smtClean="0"/>
+              <a:rPr lang="en-US"/>
               <a:t>Edit Master text styles</a:t>
             </a:r>
           </a:p>
@@ -9853,35 +9859,35 @@
           <a:p>
             <a:pPr lvl="0"/>
             <a:r>
-              <a:rPr lang="en-US" smtClean="0"/>
+              <a:rPr lang="en-US"/>
               <a:t>Edit Master text styles</a:t>
             </a:r>
           </a:p>
           <a:p>
             <a:pPr lvl="1"/>
             <a:r>
-              <a:rPr lang="en-US" smtClean="0"/>
+              <a:rPr lang="en-US"/>
               <a:t>Second level</a:t>
             </a:r>
           </a:p>
           <a:p>
             <a:pPr lvl="2"/>
             <a:r>
-              <a:rPr lang="en-US" smtClean="0"/>
+              <a:rPr lang="en-US"/>
               <a:t>Third level</a:t>
             </a:r>
           </a:p>
           <a:p>
             <a:pPr lvl="3"/>
             <a:r>
-              <a:rPr lang="en-US" smtClean="0"/>
+              <a:rPr lang="en-US"/>
               <a:t>Fourth level</a:t>
             </a:r>
           </a:p>
           <a:p>
             <a:pPr lvl="4"/>
             <a:r>
-              <a:rPr lang="en-US" smtClean="0"/>
+              <a:rPr lang="en-US"/>
               <a:t>Fifth level</a:t>
             </a:r>
             <a:endParaRPr lang="en-US" dirty="0"/>
@@ -9953,7 +9959,7 @@
           <a:p>
             <a:pPr lvl="0"/>
             <a:r>
-              <a:rPr lang="en-US" smtClean="0"/>
+              <a:rPr lang="en-US"/>
               <a:t>Edit Master text styles</a:t>
             </a:r>
           </a:p>
@@ -9983,35 +9989,35 @@
           <a:p>
             <a:pPr lvl="0"/>
             <a:r>
-              <a:rPr lang="en-US" smtClean="0"/>
+              <a:rPr lang="en-US"/>
               <a:t>Edit Master text styles</a:t>
             </a:r>
           </a:p>
           <a:p>
             <a:pPr lvl="1"/>
             <a:r>
-              <a:rPr lang="en-US" smtClean="0"/>
+              <a:rPr lang="en-US"/>
               <a:t>Second level</a:t>
             </a:r>
           </a:p>
           <a:p>
             <a:pPr lvl="2"/>
             <a:r>
-              <a:rPr lang="en-US" smtClean="0"/>
+              <a:rPr lang="en-US"/>
               <a:t>Third level</a:t>
             </a:r>
           </a:p>
           <a:p>
             <a:pPr lvl="3"/>
             <a:r>
-              <a:rPr lang="en-US" smtClean="0"/>
+              <a:rPr lang="en-US"/>
               <a:t>Fourth level</a:t>
             </a:r>
           </a:p>
           <a:p>
             <a:pPr lvl="4"/>
             <a:r>
-              <a:rPr lang="en-US" smtClean="0"/>
+              <a:rPr lang="en-US"/>
               <a:t>Fifth level</a:t>
             </a:r>
             <a:endParaRPr lang="en-US" dirty="0"/>
@@ -10129,7 +10135,7 @@
           <a:lstStyle/>
           <a:p>
             <a:r>
-              <a:rPr lang="en-US" smtClean="0"/>
+              <a:rPr lang="en-US"/>
               <a:t>Click to edit Master title style</a:t>
             </a:r>
             <a:endParaRPr lang="en-US" dirty="0"/>
@@ -11248,7 +11254,7 @@
           </a:lstStyle>
           <a:p>
             <a:r>
-              <a:rPr lang="en-US" smtClean="0"/>
+              <a:rPr lang="en-US"/>
               <a:t>Click to edit Master title style</a:t>
             </a:r>
             <a:endParaRPr lang="en-US" dirty="0"/>
@@ -11279,35 +11285,35 @@
           <a:p>
             <a:pPr lvl="0"/>
             <a:r>
-              <a:rPr lang="en-US" smtClean="0"/>
+              <a:rPr lang="en-US"/>
               <a:t>Edit Master text styles</a:t>
             </a:r>
           </a:p>
           <a:p>
             <a:pPr lvl="1"/>
             <a:r>
-              <a:rPr lang="en-US" smtClean="0"/>
+              <a:rPr lang="en-US"/>
               <a:t>Second level</a:t>
             </a:r>
           </a:p>
           <a:p>
             <a:pPr lvl="2"/>
             <a:r>
-              <a:rPr lang="en-US" smtClean="0"/>
+              <a:rPr lang="en-US"/>
               <a:t>Third level</a:t>
             </a:r>
           </a:p>
           <a:p>
             <a:pPr lvl="3"/>
             <a:r>
-              <a:rPr lang="en-US" smtClean="0"/>
+              <a:rPr lang="en-US"/>
               <a:t>Fourth level</a:t>
             </a:r>
           </a:p>
           <a:p>
             <a:pPr lvl="4"/>
             <a:r>
-              <a:rPr lang="en-US" smtClean="0"/>
+              <a:rPr lang="en-US"/>
               <a:t>Fifth level</a:t>
             </a:r>
             <a:endParaRPr lang="en-US" dirty="0"/>
@@ -11377,7 +11383,7 @@
           <a:p>
             <a:pPr lvl="0"/>
             <a:r>
-              <a:rPr lang="en-US" smtClean="0"/>
+              <a:rPr lang="en-US"/>
               <a:t>Edit Master text styles</a:t>
             </a:r>
           </a:p>
@@ -12402,7 +12408,7 @@
           </a:lstStyle>
           <a:p>
             <a:r>
-              <a:rPr lang="en-US" smtClean="0"/>
+              <a:rPr lang="en-US"/>
               <a:t>Click to edit Master title style</a:t>
             </a:r>
             <a:endParaRPr lang="en-US" dirty="0"/>
@@ -12481,7 +12487,7 @@
           </a:lstStyle>
           <a:p>
             <a:r>
-              <a:rPr lang="en-US" smtClean="0"/>
+              <a:rPr lang="en-US"/>
               <a:t>Click icon to add picture</a:t>
             </a:r>
             <a:endParaRPr lang="en-US" dirty="0"/>
@@ -12553,7 +12559,7 @@
           <a:p>
             <a:pPr lvl="0"/>
             <a:r>
-              <a:rPr lang="en-US" smtClean="0"/>
+              <a:rPr lang="en-US"/>
               <a:t>Edit Master text styles</a:t>
             </a:r>
           </a:p>
@@ -13545,7 +13551,7 @@
           <a:lstStyle/>
           <a:p>
             <a:r>
-              <a:rPr lang="en-US" smtClean="0"/>
+              <a:rPr lang="en-US"/>
               <a:t>Click to edit Master title style</a:t>
             </a:r>
             <a:endParaRPr lang="en-US" dirty="0"/>
@@ -13579,35 +13585,35 @@
           <a:p>
             <a:pPr lvl="0"/>
             <a:r>
-              <a:rPr lang="en-US" smtClean="0"/>
+              <a:rPr lang="en-US"/>
               <a:t>Edit Master text styles</a:t>
             </a:r>
           </a:p>
           <a:p>
             <a:pPr lvl="1"/>
             <a:r>
-              <a:rPr lang="en-US" smtClean="0"/>
+              <a:rPr lang="en-US"/>
               <a:t>Second level</a:t>
             </a:r>
           </a:p>
           <a:p>
             <a:pPr lvl="2"/>
             <a:r>
-              <a:rPr lang="en-US" smtClean="0"/>
+              <a:rPr lang="en-US"/>
               <a:t>Third level</a:t>
             </a:r>
           </a:p>
           <a:p>
             <a:pPr lvl="3"/>
             <a:r>
-              <a:rPr lang="en-US" smtClean="0"/>
+              <a:rPr lang="en-US"/>
               <a:t>Fourth level</a:t>
             </a:r>
           </a:p>
           <a:p>
             <a:pPr lvl="4"/>
             <a:r>
-              <a:rPr lang="en-US" smtClean="0"/>
+              <a:rPr lang="en-US"/>
               <a:t>Fifth level</a:t>
             </a:r>
             <a:endParaRPr lang="en-US" dirty="0"/>
@@ -14222,7 +14228,7 @@
           <a:lstStyle/>
           <a:p>
             <a:r>
-              <a:rPr lang="en-GB" dirty="0" err="1" smtClean="0"/>
+              <a:rPr lang="en-GB" dirty="0" err="1"/>
               <a:t>Magrathea</a:t>
             </a:r>
             <a:endParaRPr lang="en-GB" dirty="0"/>
@@ -14258,13 +14264,6 @@
   <p:clrMapOvr>
     <a:masterClrMapping/>
   </p:clrMapOvr>
-  <p:timing>
-    <p:tnLst>
-      <p:par>
-        <p:cTn id="1" dur="indefinite" restart="never" nodeType="tmRoot"/>
-      </p:par>
-    </p:tnLst>
-  </p:timing>
 </p:sld>
 </file>
 
@@ -14306,10 +14305,9 @@
           <a:lstStyle/>
           <a:p>
             <a:r>
-              <a:rPr lang="en-GB" dirty="0" smtClean="0"/>
+              <a:rPr lang="en-GB" dirty="0"/>
               <a:t>Original Design</a:t>
             </a:r>
-            <a:endParaRPr lang="en-GB" dirty="0"/>
           </a:p>
         </p:txBody>
       </p:sp>
@@ -14340,7 +14338,7 @@
               <a:buChar char="•"/>
             </a:pPr>
             <a:r>
-              <a:rPr lang="en-GB" dirty="0" smtClean="0"/>
+              <a:rPr lang="en-GB" dirty="0"/>
               <a:t>Dark Fox Project gave us original brief</a:t>
             </a:r>
           </a:p>
@@ -14350,7 +14348,7 @@
               <a:buChar char="•"/>
             </a:pPr>
             <a:r>
-              <a:rPr lang="en-GB" dirty="0" smtClean="0"/>
+              <a:rPr lang="en-GB" dirty="0"/>
               <a:t>We moved towards world creation technology</a:t>
             </a:r>
           </a:p>
@@ -14360,7 +14358,7 @@
               <a:buChar char="•"/>
             </a:pPr>
             <a:r>
-              <a:rPr lang="en-GB" dirty="0" smtClean="0"/>
+              <a:rPr lang="en-GB" dirty="0"/>
               <a:t>Inspired by the experiment to see if the universe was a simulation</a:t>
             </a:r>
           </a:p>
@@ -14370,7 +14368,7 @@
               <a:buChar char="•"/>
             </a:pPr>
             <a:r>
-              <a:rPr lang="en-GB" dirty="0" smtClean="0"/>
+              <a:rPr lang="en-GB" dirty="0"/>
               <a:t>Got the name from Hitchhikers</a:t>
             </a:r>
           </a:p>
@@ -14380,10 +14378,9 @@
               <a:buChar char="•"/>
             </a:pPr>
             <a:r>
-              <a:rPr lang="en-GB" dirty="0" smtClean="0"/>
+              <a:rPr lang="en-GB" dirty="0"/>
               <a:t>There were many different interpretations</a:t>
             </a:r>
-            <a:endParaRPr lang="en-GB" dirty="0"/>
           </a:p>
         </p:txBody>
       </p:sp>
@@ -14397,13 +14394,6 @@
   <p:clrMapOvr>
     <a:masterClrMapping/>
   </p:clrMapOvr>
-  <p:timing>
-    <p:tnLst>
-      <p:par>
-        <p:cTn id="1" dur="indefinite" restart="never" nodeType="tmRoot"/>
-      </p:par>
-    </p:tnLst>
-  </p:timing>
 </p:sld>
 </file>
 
@@ -14445,10 +14435,9 @@
           <a:lstStyle/>
           <a:p>
             <a:r>
-              <a:rPr lang="en-GB" dirty="0" smtClean="0"/>
+              <a:rPr lang="en-GB" dirty="0"/>
               <a:t>Was this suitable?</a:t>
             </a:r>
-            <a:endParaRPr lang="en-GB" dirty="0"/>
           </a:p>
         </p:txBody>
       </p:sp>
@@ -14479,7 +14468,7 @@
               <a:buChar char="•"/>
             </a:pPr>
             <a:r>
-              <a:rPr lang="en-GB" dirty="0" smtClean="0"/>
+              <a:rPr lang="en-GB" dirty="0"/>
               <a:t>This was a suitable brief for a future company</a:t>
             </a:r>
           </a:p>
@@ -14489,7 +14478,7 @@
               <a:buChar char="•"/>
             </a:pPr>
             <a:r>
-              <a:rPr lang="en-GB" dirty="0" smtClean="0"/>
+              <a:rPr lang="en-GB" dirty="0"/>
               <a:t>Perhaps world building was too futuristic</a:t>
             </a:r>
           </a:p>
@@ -14499,7 +14488,7 @@
               <a:buChar char="•"/>
             </a:pPr>
             <a:r>
-              <a:rPr lang="en-GB" dirty="0" smtClean="0"/>
+              <a:rPr lang="en-GB" dirty="0"/>
               <a:t>This led us towards constraining the brief</a:t>
             </a:r>
           </a:p>
@@ -14509,7 +14498,7 @@
               <a:buChar char="•"/>
             </a:pPr>
             <a:r>
-              <a:rPr lang="en-GB" dirty="0" smtClean="0"/>
+              <a:rPr lang="en-GB" dirty="0"/>
               <a:t>Eventually evolved to suit the needs of the project</a:t>
             </a:r>
           </a:p>
@@ -14532,13 +14521,6 @@
   <p:clrMapOvr>
     <a:masterClrMapping/>
   </p:clrMapOvr>
-  <p:timing>
-    <p:tnLst>
-      <p:par>
-        <p:cTn id="1" dur="indefinite" restart="never" nodeType="tmRoot"/>
-      </p:par>
-    </p:tnLst>
-  </p:timing>
 </p:sld>
 </file>
 
@@ -14580,10 +14562,9 @@
           <a:lstStyle/>
           <a:p>
             <a:r>
-              <a:rPr lang="en-GB" dirty="0" smtClean="0"/>
+              <a:rPr lang="en-GB" dirty="0"/>
               <a:t>How it changed</a:t>
             </a:r>
-            <a:endParaRPr lang="en-GB" dirty="0"/>
           </a:p>
         </p:txBody>
       </p:sp>
@@ -14614,7 +14595,7 @@
               <a:buChar char="•"/>
             </a:pPr>
             <a:r>
-              <a:rPr lang="en-GB" dirty="0" smtClean="0"/>
+              <a:rPr lang="en-GB" dirty="0"/>
               <a:t>The project then moved towards VR</a:t>
             </a:r>
           </a:p>
@@ -14624,7 +14605,7 @@
               <a:buChar char="•"/>
             </a:pPr>
             <a:r>
-              <a:rPr lang="en-GB" dirty="0" smtClean="0"/>
+              <a:rPr lang="en-GB" dirty="0"/>
               <a:t>Decided the world will be apocalyptic</a:t>
             </a:r>
           </a:p>
@@ -14634,7 +14615,7 @@
               <a:buChar char="•"/>
             </a:pPr>
             <a:r>
-              <a:rPr lang="en-GB" dirty="0" smtClean="0"/>
+              <a:rPr lang="en-GB" dirty="0"/>
               <a:t>In order to escape, people use VR</a:t>
             </a:r>
           </a:p>
@@ -14644,16 +14625,8 @@
               <a:buChar char="•"/>
             </a:pPr>
             <a:r>
-              <a:rPr lang="en-GB" dirty="0" smtClean="0"/>
-              <a:t>This was adjusted to include the Dark Fox </a:t>
-            </a:r>
-            <a:r>
               <a:rPr lang="en-GB" dirty="0"/>
-              <a:t>P</a:t>
-            </a:r>
-            <a:r>
-              <a:rPr lang="en-GB" dirty="0" smtClean="0"/>
-              <a:t>roject</a:t>
+              <a:t>This was adjusted to include the Dark Fox Project</a:t>
             </a:r>
           </a:p>
           <a:p>
@@ -14662,7 +14635,7 @@
               <a:buChar char="•"/>
             </a:pPr>
             <a:r>
-              <a:rPr lang="en-GB" dirty="0" smtClean="0"/>
+              <a:rPr lang="en-GB" dirty="0"/>
               <a:t>The overall theme of the dark and depressing world remained</a:t>
             </a:r>
           </a:p>
@@ -14685,13 +14658,6 @@
   <p:clrMapOvr>
     <a:masterClrMapping/>
   </p:clrMapOvr>
-  <p:timing>
-    <p:tnLst>
-      <p:par>
-        <p:cTn id="1" dur="indefinite" restart="never" nodeType="tmRoot"/>
-      </p:par>
-    </p:tnLst>
-  </p:timing>
 </p:sld>
 </file>
 
@@ -14734,13 +14700,8 @@
           <a:p>
             <a:r>
               <a:rPr lang="en-GB" dirty="0"/>
-              <a:t>F</a:t>
+              <a:t>Future marketplace</a:t>
             </a:r>
-            <a:r>
-              <a:rPr lang="en-GB" dirty="0" smtClean="0"/>
-              <a:t>uture marketplace</a:t>
-            </a:r>
-            <a:endParaRPr lang="en-GB" dirty="0"/>
           </a:p>
         </p:txBody>
       </p:sp>
@@ -14771,7 +14732,7 @@
               <a:buChar char="•"/>
             </a:pPr>
             <a:r>
-              <a:rPr lang="en-GB" dirty="0" smtClean="0"/>
+              <a:rPr lang="en-GB" dirty="0"/>
               <a:t>This project would be suitable for the world we envision</a:t>
             </a:r>
           </a:p>
@@ -14781,7 +14742,7 @@
               <a:buChar char="•"/>
             </a:pPr>
             <a:r>
-              <a:rPr lang="en-GB" dirty="0" smtClean="0"/>
+              <a:rPr lang="en-GB" dirty="0"/>
               <a:t>Pretty much the same as ‘Ready Player One’</a:t>
             </a:r>
           </a:p>
@@ -14791,7 +14752,7 @@
               <a:buChar char="•"/>
             </a:pPr>
             <a:r>
-              <a:rPr lang="en-GB" dirty="0" smtClean="0"/>
+              <a:rPr lang="en-GB" dirty="0"/>
               <a:t>This would have a large client base of regular use</a:t>
             </a:r>
           </a:p>
@@ -14801,10 +14762,9 @@
               <a:buChar char="•"/>
             </a:pPr>
             <a:r>
-              <a:rPr lang="en-GB" dirty="0" smtClean="0"/>
+              <a:rPr lang="en-GB" dirty="0"/>
               <a:t>Initial aesthetics and world inspired by Shadowrun</a:t>
             </a:r>
-            <a:endParaRPr lang="en-GB" dirty="0"/>
           </a:p>
         </p:txBody>
       </p:sp>
@@ -14818,13 +14778,6 @@
   <p:clrMapOvr>
     <a:masterClrMapping/>
   </p:clrMapOvr>
-  <p:timing>
-    <p:tnLst>
-      <p:par>
-        <p:cTn id="1" dur="indefinite" restart="never" nodeType="tmRoot"/>
-      </p:par>
-    </p:tnLst>
-  </p:timing>
 </p:sld>
 </file>
 
@@ -14866,10 +14819,9 @@
           <a:lstStyle/>
           <a:p>
             <a:r>
-              <a:rPr lang="en-GB" dirty="0" smtClean="0"/>
+              <a:rPr lang="en-GB" dirty="0"/>
               <a:t>Coursework reflection</a:t>
             </a:r>
-            <a:endParaRPr lang="en-GB" dirty="0"/>
           </a:p>
         </p:txBody>
       </p:sp>
@@ -14900,7 +14852,7 @@
               <a:buChar char="•"/>
             </a:pPr>
             <a:r>
-              <a:rPr lang="en-GB" dirty="0" smtClean="0"/>
+              <a:rPr lang="en-GB" dirty="0"/>
               <a:t>The ident was initially designed to show off the company theme</a:t>
             </a:r>
           </a:p>
@@ -14910,7 +14862,7 @@
               <a:buChar char="•"/>
             </a:pPr>
             <a:r>
-              <a:rPr lang="en-GB" dirty="0" smtClean="0"/>
+              <a:rPr lang="en-GB" dirty="0"/>
               <a:t>The trailer was then made to compliment it and show off the worlds</a:t>
             </a:r>
           </a:p>
@@ -14920,7 +14872,7 @@
               <a:buChar char="•"/>
             </a:pPr>
             <a:r>
-              <a:rPr lang="en-GB" dirty="0" smtClean="0"/>
+              <a:rPr lang="en-GB" dirty="0"/>
               <a:t>We encountered some editing issues, as well as issues with sound design</a:t>
             </a:r>
           </a:p>
@@ -14930,10 +14882,9 @@
               <a:buChar char="•"/>
             </a:pPr>
             <a:r>
-              <a:rPr lang="en-GB" dirty="0" smtClean="0"/>
+              <a:rPr lang="en-GB" dirty="0"/>
               <a:t>Mainly team dynamic issues</a:t>
             </a:r>
-            <a:endParaRPr lang="en-GB" dirty="0"/>
           </a:p>
         </p:txBody>
       </p:sp>
@@ -14947,13 +14898,6 @@
   <p:clrMapOvr>
     <a:masterClrMapping/>
   </p:clrMapOvr>
-  <p:timing>
-    <p:tnLst>
-      <p:par>
-        <p:cTn id="1" dur="indefinite" restart="never" nodeType="tmRoot"/>
-      </p:par>
-    </p:tnLst>
-  </p:timing>
 </p:sld>
 </file>
 
@@ -14995,10 +14939,9 @@
           <a:lstStyle/>
           <a:p>
             <a:r>
-              <a:rPr lang="en-GB" dirty="0" smtClean="0"/>
+              <a:rPr lang="en-GB" dirty="0"/>
               <a:t>Team Dynamic</a:t>
             </a:r>
-            <a:endParaRPr lang="en-GB" dirty="0"/>
           </a:p>
         </p:txBody>
       </p:sp>
@@ -15029,7 +14972,7 @@
               <a:buChar char="•"/>
             </a:pPr>
             <a:r>
-              <a:rPr lang="en-GB" dirty="0" smtClean="0"/>
+              <a:rPr lang="en-GB" dirty="0"/>
               <a:t>We didn’t have visuals until after Christmas</a:t>
             </a:r>
           </a:p>
@@ -15039,7 +14982,7 @@
               <a:buChar char="•"/>
             </a:pPr>
             <a:r>
-              <a:rPr lang="en-GB" dirty="0" smtClean="0"/>
+              <a:rPr lang="en-GB" dirty="0"/>
               <a:t>Communications during Christmas resulted in improvisation</a:t>
             </a:r>
           </a:p>
@@ -15049,7 +14992,7 @@
               <a:buChar char="•"/>
             </a:pPr>
             <a:r>
-              <a:rPr lang="en-GB" dirty="0" smtClean="0"/>
+              <a:rPr lang="en-GB" dirty="0"/>
               <a:t>The project changed dramatically because of this</a:t>
             </a:r>
           </a:p>
@@ -15059,10 +15002,9 @@
               <a:buChar char="•"/>
             </a:pPr>
             <a:r>
-              <a:rPr lang="en-GB" dirty="0" smtClean="0"/>
+              <a:rPr lang="en-GB" dirty="0"/>
               <a:t>We did keep to schedule and we did work well after our initial problems</a:t>
             </a:r>
-            <a:endParaRPr lang="en-GB" dirty="0"/>
           </a:p>
         </p:txBody>
       </p:sp>
@@ -15076,13 +15018,6 @@
   <p:clrMapOvr>
     <a:masterClrMapping/>
   </p:clrMapOvr>
-  <p:timing>
-    <p:tnLst>
-      <p:par>
-        <p:cTn id="1" dur="indefinite" restart="never" nodeType="tmRoot"/>
-      </p:par>
-    </p:tnLst>
-  </p:timing>
 </p:sld>
 </file>
 
@@ -15124,10 +15059,9 @@
           <a:lstStyle/>
           <a:p>
             <a:r>
-              <a:rPr lang="en-GB" dirty="0" smtClean="0"/>
+              <a:rPr lang="en-GB" dirty="0"/>
               <a:t>How our skills were utilised</a:t>
             </a:r>
-            <a:endParaRPr lang="en-GB" dirty="0"/>
           </a:p>
         </p:txBody>
       </p:sp>
@@ -15158,7 +15092,7 @@
               <a:buChar char="•"/>
             </a:pPr>
             <a:r>
-              <a:rPr lang="en-GB" dirty="0" smtClean="0"/>
+              <a:rPr lang="en-GB" dirty="0"/>
               <a:t>Coding skills to create a camera rig for Unity</a:t>
             </a:r>
           </a:p>
@@ -15168,7 +15102,7 @@
               <a:buChar char="•"/>
             </a:pPr>
             <a:r>
-              <a:rPr lang="en-GB" dirty="0" smtClean="0"/>
+              <a:rPr lang="en-GB" dirty="0"/>
               <a:t>Animation and modelling skills to animate in Source</a:t>
             </a:r>
           </a:p>
@@ -15178,7 +15112,7 @@
               <a:buChar char="•"/>
             </a:pPr>
             <a:r>
-              <a:rPr lang="en-GB" dirty="0" smtClean="0"/>
+              <a:rPr lang="en-GB" dirty="0"/>
               <a:t>Modelling skills were used to create meshes and models</a:t>
             </a:r>
           </a:p>
@@ -15188,7 +15122,7 @@
               <a:buChar char="•"/>
             </a:pPr>
             <a:r>
-              <a:rPr lang="en-GB" dirty="0" smtClean="0"/>
+              <a:rPr lang="en-GB" dirty="0"/>
               <a:t>Editing skills were also used to create a polished trailer</a:t>
             </a:r>
           </a:p>
@@ -15211,13 +15145,172 @@
   <p:clrMapOvr>
     <a:masterClrMapping/>
   </p:clrMapOvr>
-  <p:timing>
-    <p:tnLst>
-      <p:par>
-        <p:cTn id="1" dur="indefinite" restart="never" nodeType="tmRoot"/>
-      </p:par>
-    </p:tnLst>
-  </p:timing>
+</p:sld>
+</file>
+
+<file path=ppt/slides/slide9.xml><?xml version="1.0" encoding="utf-8"?>
+<p:sld xmlns:a="http://schemas.openxmlformats.org/drawingml/2006/main" xmlns:r="http://schemas.openxmlformats.org/officeDocument/2006/relationships" xmlns:p="http://schemas.openxmlformats.org/presentationml/2006/main">
+  <p:cSld>
+    <p:spTree>
+      <p:nvGrpSpPr>
+        <p:cNvPr id="1" name=""/>
+        <p:cNvGrpSpPr/>
+        <p:nvPr/>
+      </p:nvGrpSpPr>
+      <p:grpSpPr>
+        <a:xfrm>
+          <a:off x="0" y="0"/>
+          <a:ext cx="0" cy="0"/>
+          <a:chOff x="0" y="0"/>
+          <a:chExt cx="0" cy="0"/>
+        </a:xfrm>
+      </p:grpSpPr>
+      <p:sp>
+        <p:nvSpPr>
+          <p:cNvPr id="2" name="Title 1"/>
+          <p:cNvSpPr>
+            <a:spLocks noGrp="1"/>
+          </p:cNvSpPr>
+          <p:nvPr>
+            <p:ph type="title"/>
+          </p:nvPr>
+        </p:nvSpPr>
+        <p:spPr/>
+        <p:txBody>
+          <a:bodyPr/>
+          <a:lstStyle/>
+          <a:p>
+            <a:r>
+              <a:rPr lang="en-GB" dirty="0"/>
+              <a:t>Editing</a:t>
+            </a:r>
+          </a:p>
+        </p:txBody>
+      </p:sp>
+      <p:sp>
+        <p:nvSpPr>
+          <p:cNvPr id="7" name="TextBox 6"/>
+          <p:cNvSpPr txBox="1"/>
+          <p:nvPr/>
+        </p:nvSpPr>
+        <p:spPr>
+          <a:xfrm>
+            <a:off x="684212" y="2479431"/>
+            <a:ext cx="8534400" cy="2031325"/>
+          </a:xfrm>
+          <a:prstGeom prst="rect">
+            <a:avLst/>
+          </a:prstGeom>
+          <a:noFill/>
+        </p:spPr>
+        <p:txBody>
+          <a:bodyPr wrap="square" rtlCol="0">
+            <a:spAutoFit/>
+          </a:bodyPr>
+          <a:lstStyle/>
+          <a:p>
+            <a:pPr marL="285750" indent="-285750">
+              <a:buFont typeface="Arial" panose="020B0604020202020204" pitchFamily="34" charset="0"/>
+              <a:buChar char="•"/>
+            </a:pPr>
+            <a:r>
+              <a:rPr lang="en-GB" dirty="0"/>
+              <a:t>Cutting to non-diegetic sounds</a:t>
+            </a:r>
+          </a:p>
+          <a:p>
+            <a:pPr marL="285750" indent="-285750">
+              <a:buFont typeface="Arial" panose="020B0604020202020204" pitchFamily="34" charset="0"/>
+              <a:buChar char="•"/>
+            </a:pPr>
+            <a:r>
+              <a:rPr lang="en-GB" dirty="0"/>
+              <a:t>Editing to match voiceover</a:t>
+            </a:r>
+          </a:p>
+          <a:p>
+            <a:pPr marL="285750" indent="-285750">
+              <a:buFont typeface="Arial" panose="020B0604020202020204" pitchFamily="34" charset="0"/>
+              <a:buChar char="•"/>
+            </a:pPr>
+            <a:r>
+              <a:rPr lang="en-GB" dirty="0"/>
+              <a:t>Smooth transitions</a:t>
+            </a:r>
+          </a:p>
+          <a:p>
+            <a:pPr marL="285750" indent="-285750">
+              <a:buFont typeface="Arial" panose="020B0604020202020204" pitchFamily="34" charset="0"/>
+              <a:buChar char="•"/>
+            </a:pPr>
+            <a:r>
+              <a:rPr lang="en-GB" dirty="0"/>
+              <a:t>Rotoscoping</a:t>
+            </a:r>
+          </a:p>
+          <a:p>
+            <a:pPr marL="285750" indent="-285750">
+              <a:buFont typeface="Arial" panose="020B0604020202020204" pitchFamily="34" charset="0"/>
+              <a:buChar char="•"/>
+            </a:pPr>
+            <a:r>
+              <a:rPr lang="en-GB" dirty="0"/>
+              <a:t>Motion tracking</a:t>
+            </a:r>
+          </a:p>
+          <a:p>
+            <a:pPr marL="285750" indent="-285750">
+              <a:buFont typeface="Arial" panose="020B0604020202020204" pitchFamily="34" charset="0"/>
+              <a:buChar char="•"/>
+            </a:pPr>
+            <a:r>
+              <a:rPr lang="en-GB" dirty="0"/>
+              <a:t>Visual effects</a:t>
+            </a:r>
+          </a:p>
+          <a:p>
+            <a:pPr marL="285750" indent="-285750">
+              <a:buFont typeface="Arial" panose="020B0604020202020204" pitchFamily="34" charset="0"/>
+              <a:buChar char="•"/>
+            </a:pPr>
+            <a:endParaRPr lang="en-GB" dirty="0"/>
+          </a:p>
+        </p:txBody>
+      </p:sp>
+      <p:pic>
+        <p:nvPicPr>
+          <p:cNvPr id="8" name="Picture 7"/>
+          <p:cNvPicPr>
+            <a:picLocks noChangeAspect="1"/>
+          </p:cNvPicPr>
+          <p:nvPr/>
+        </p:nvPicPr>
+        <p:blipFill>
+          <a:blip r:embed="rId2"/>
+          <a:stretch>
+            <a:fillRect/>
+          </a:stretch>
+        </p:blipFill>
+        <p:spPr>
+          <a:xfrm>
+            <a:off x="5820924" y="2507827"/>
+            <a:ext cx="4818023" cy="3451860"/>
+          </a:xfrm>
+          <a:prstGeom prst="rect">
+            <a:avLst/>
+          </a:prstGeom>
+        </p:spPr>
+      </p:pic>
+    </p:spTree>
+    <p:extLst>
+      <p:ext uri="{BB962C8B-B14F-4D97-AF65-F5344CB8AC3E}">
+        <p14:creationId xmlns:p14="http://schemas.microsoft.com/office/powerpoint/2010/main" val="1558938875"/>
+      </p:ext>
+    </p:extLst>
+  </p:cSld>
+  <p:clrMapOvr>
+    <a:masterClrMapping/>
+  </p:clrMapOvr>
 </p:sld>
 </file>
 

--- a/presentation/AVP Final Presentation.pptx
+++ b/presentation/AVP Final Presentation.pptx
@@ -809,7 +809,7 @@
           <a:p>
             <a:fld id="{199C758D-130B-49D3-B600-9B5FF945A439}" type="datetimeFigureOut">
               <a:rPr lang="en-GB" smtClean="0"/>
-              <a:t>26/04/2017</a:t>
+              <a:t>27/04/2017</a:t>
             </a:fld>
             <a:endParaRPr lang="en-GB"/>
           </a:p>
@@ -1970,7 +1970,7 @@
           <a:p>
             <a:fld id="{199C758D-130B-49D3-B600-9B5FF945A439}" type="datetimeFigureOut">
               <a:rPr lang="en-GB" smtClean="0"/>
-              <a:t>26/04/2017</a:t>
+              <a:t>27/04/2017</a:t>
             </a:fld>
             <a:endParaRPr lang="en-GB"/>
           </a:p>
@@ -3024,7 +3024,7 @@
           <a:p>
             <a:fld id="{199C758D-130B-49D3-B600-9B5FF945A439}" type="datetimeFigureOut">
               <a:rPr lang="en-GB" smtClean="0"/>
-              <a:t>26/04/2017</a:t>
+              <a:t>27/04/2017</a:t>
             </a:fld>
             <a:endParaRPr lang="en-GB"/>
           </a:p>
@@ -4237,7 +4237,7 @@
           <a:p>
             <a:fld id="{199C758D-130B-49D3-B600-9B5FF945A439}" type="datetimeFigureOut">
               <a:rPr lang="en-GB" smtClean="0"/>
-              <a:t>26/04/2017</a:t>
+              <a:t>27/04/2017</a:t>
             </a:fld>
             <a:endParaRPr lang="en-GB"/>
           </a:p>
@@ -5341,7 +5341,7 @@
           <a:p>
             <a:fld id="{199C758D-130B-49D3-B600-9B5FF945A439}" type="datetimeFigureOut">
               <a:rPr lang="en-GB" smtClean="0"/>
-              <a:t>26/04/2017</a:t>
+              <a:t>27/04/2017</a:t>
             </a:fld>
             <a:endParaRPr lang="en-GB"/>
           </a:p>
@@ -5993,7 +5993,7 @@
           <a:p>
             <a:fld id="{199C758D-130B-49D3-B600-9B5FF945A439}" type="datetimeFigureOut">
               <a:rPr lang="en-GB" smtClean="0"/>
-              <a:t>26/04/2017</a:t>
+              <a:t>27/04/2017</a:t>
             </a:fld>
             <a:endParaRPr lang="en-GB"/>
           </a:p>
@@ -6840,7 +6840,7 @@
           <a:p>
             <a:fld id="{199C758D-130B-49D3-B600-9B5FF945A439}" type="datetimeFigureOut">
               <a:rPr lang="en-GB" smtClean="0"/>
-              <a:t>26/04/2017</a:t>
+              <a:t>27/04/2017</a:t>
             </a:fld>
             <a:endParaRPr lang="en-GB"/>
           </a:p>
@@ -7025,7 +7025,7 @@
           <a:p>
             <a:fld id="{199C758D-130B-49D3-B600-9B5FF945A439}" type="datetimeFigureOut">
               <a:rPr lang="en-GB" smtClean="0"/>
-              <a:t>26/04/2017</a:t>
+              <a:t>27/04/2017</a:t>
             </a:fld>
             <a:endParaRPr lang="en-GB"/>
           </a:p>
@@ -8066,7 +8066,7 @@
           <a:p>
             <a:fld id="{199C758D-130B-49D3-B600-9B5FF945A439}" type="datetimeFigureOut">
               <a:rPr lang="en-GB" smtClean="0"/>
-              <a:t>26/04/2017</a:t>
+              <a:t>27/04/2017</a:t>
             </a:fld>
             <a:endParaRPr lang="en-GB"/>
           </a:p>
@@ -8282,7 +8282,7 @@
           <a:p>
             <a:fld id="{199C758D-130B-49D3-B600-9B5FF945A439}" type="datetimeFigureOut">
               <a:rPr lang="en-GB" smtClean="0"/>
-              <a:t>26/04/2017</a:t>
+              <a:t>27/04/2017</a:t>
             </a:fld>
             <a:endParaRPr lang="en-GB"/>
           </a:p>
@@ -9387,7 +9387,7 @@
           <a:p>
             <a:fld id="{199C758D-130B-49D3-B600-9B5FF945A439}" type="datetimeFigureOut">
               <a:rPr lang="en-GB" smtClean="0"/>
-              <a:t>26/04/2017</a:t>
+              <a:t>27/04/2017</a:t>
             </a:fld>
             <a:endParaRPr lang="en-GB"/>
           </a:p>
@@ -9659,7 +9659,7 @@
           <a:p>
             <a:fld id="{199C758D-130B-49D3-B600-9B5FF945A439}" type="datetimeFigureOut">
               <a:rPr lang="en-GB" smtClean="0"/>
-              <a:t>26/04/2017</a:t>
+              <a:t>27/04/2017</a:t>
             </a:fld>
             <a:endParaRPr lang="en-GB"/>
           </a:p>
@@ -10041,7 +10041,7 @@
           <a:p>
             <a:fld id="{199C758D-130B-49D3-B600-9B5FF945A439}" type="datetimeFigureOut">
               <a:rPr lang="en-GB" smtClean="0"/>
-              <a:t>26/04/2017</a:t>
+              <a:t>27/04/2017</a:t>
             </a:fld>
             <a:endParaRPr lang="en-GB"/>
           </a:p>
@@ -10159,7 +10159,7 @@
           <a:p>
             <a:fld id="{199C758D-130B-49D3-B600-9B5FF945A439}" type="datetimeFigureOut">
               <a:rPr lang="en-GB" smtClean="0"/>
-              <a:t>26/04/2017</a:t>
+              <a:t>27/04/2017</a:t>
             </a:fld>
             <a:endParaRPr lang="en-GB"/>
           </a:p>
@@ -10254,7 +10254,7 @@
           <a:p>
             <a:fld id="{199C758D-130B-49D3-B600-9B5FF945A439}" type="datetimeFigureOut">
               <a:rPr lang="en-GB" smtClean="0"/>
-              <a:t>26/04/2017</a:t>
+              <a:t>27/04/2017</a:t>
             </a:fld>
             <a:endParaRPr lang="en-GB"/>
           </a:p>
@@ -11406,7 +11406,7 @@
           <a:p>
             <a:fld id="{199C758D-130B-49D3-B600-9B5FF945A439}" type="datetimeFigureOut">
               <a:rPr lang="en-GB" smtClean="0"/>
-              <a:t>26/04/2017</a:t>
+              <a:t>27/04/2017</a:t>
             </a:fld>
             <a:endParaRPr lang="en-GB"/>
           </a:p>
@@ -12582,7 +12582,7 @@
           <a:p>
             <a:fld id="{199C758D-130B-49D3-B600-9B5FF945A439}" type="datetimeFigureOut">
               <a:rPr lang="en-GB" smtClean="0"/>
-              <a:t>26/04/2017</a:t>
+              <a:t>27/04/2017</a:t>
             </a:fld>
             <a:endParaRPr lang="en-GB"/>
           </a:p>
@@ -13688,7 +13688,7 @@
           <a:p>
             <a:fld id="{199C758D-130B-49D3-B600-9B5FF945A439}" type="datetimeFigureOut">
               <a:rPr lang="en-GB" smtClean="0"/>
-              <a:t>26/04/2017</a:t>
+              <a:t>27/04/2017</a:t>
             </a:fld>
             <a:endParaRPr lang="en-GB"/>
           </a:p>
@@ -14384,6 +14384,30 @@
           </a:p>
         </p:txBody>
       </p:sp>
+      <p:pic>
+        <p:nvPicPr>
+          <p:cNvPr id="3" name="Picture 2"/>
+          <p:cNvPicPr>
+            <a:picLocks noChangeAspect="1"/>
+          </p:cNvPicPr>
+          <p:nvPr/>
+        </p:nvPicPr>
+        <p:blipFill>
+          <a:blip r:embed="rId2"/>
+          <a:stretch>
+            <a:fillRect/>
+          </a:stretch>
+        </p:blipFill>
+        <p:spPr>
+          <a:xfrm>
+            <a:off x="7666673" y="3506894"/>
+            <a:ext cx="3938588" cy="2372888"/>
+          </a:xfrm>
+          <a:prstGeom prst="rect">
+            <a:avLst/>
+          </a:prstGeom>
+        </p:spPr>
+      </p:pic>
     </p:spTree>
     <p:extLst>
       <p:ext uri="{BB962C8B-B14F-4D97-AF65-F5344CB8AC3E}">
@@ -14511,6 +14535,47 @@
           </a:p>
         </p:txBody>
       </p:sp>
+      <p:pic>
+        <p:nvPicPr>
+          <p:cNvPr id="1026" name="Picture 2" descr="https://4.bp.blogspot.com/-Eyq3nXK0Tmk/VzyOMr7q23I/AAAAAAAAFAg/MoKBUzW67gIxEkBs256pQQzgdHW4BMjUACLcB/s1600/worldbuilding.jpg"/>
+          <p:cNvPicPr>
+            <a:picLocks noChangeAspect="1" noChangeArrowheads="1"/>
+          </p:cNvPicPr>
+          <p:nvPr/>
+        </p:nvPicPr>
+        <p:blipFill>
+          <a:blip r:embed="rId2" cstate="print">
+            <a:extLst>
+              <a:ext uri="{28A0092B-C50C-407E-A947-70E740481C1C}">
+                <a14:useLocalDpi xmlns:a14="http://schemas.microsoft.com/office/drawing/2010/main" val="0"/>
+              </a:ext>
+            </a:extLst>
+          </a:blip>
+          <a:srcRect/>
+          <a:stretch>
+            <a:fillRect/>
+          </a:stretch>
+        </p:blipFill>
+        <p:spPr bwMode="auto">
+          <a:xfrm>
+            <a:off x="7010249" y="3821064"/>
+            <a:ext cx="4416725" cy="2483258"/>
+          </a:xfrm>
+          <a:prstGeom prst="rect">
+            <a:avLst/>
+          </a:prstGeom>
+          <a:noFill/>
+          <a:extLst>
+            <a:ext uri="{909E8E84-426E-40DD-AFC4-6F175D3DCCD1}">
+              <a14:hiddenFill xmlns:a14="http://schemas.microsoft.com/office/drawing/2010/main">
+                <a:solidFill>
+                  <a:srgbClr val="FFFFFF"/>
+                </a:solidFill>
+              </a14:hiddenFill>
+            </a:ext>
+          </a:extLst>
+        </p:spPr>
+      </p:pic>
     </p:spTree>
     <p:extLst>
       <p:ext uri="{BB962C8B-B14F-4D97-AF65-F5344CB8AC3E}">
@@ -14648,6 +14713,47 @@
           </a:p>
         </p:txBody>
       </p:sp>
+      <p:pic>
+        <p:nvPicPr>
+          <p:cNvPr id="2050" name="Picture 2" descr="Image result for post apocalyptic"/>
+          <p:cNvPicPr>
+            <a:picLocks noChangeAspect="1" noChangeArrowheads="1"/>
+          </p:cNvPicPr>
+          <p:nvPr/>
+        </p:nvPicPr>
+        <p:blipFill>
+          <a:blip r:embed="rId2" cstate="print">
+            <a:extLst>
+              <a:ext uri="{28A0092B-C50C-407E-A947-70E740481C1C}">
+                <a14:useLocalDpi xmlns:a14="http://schemas.microsoft.com/office/drawing/2010/main" val="0"/>
+              </a:ext>
+            </a:extLst>
+          </a:blip>
+          <a:srcRect/>
+          <a:stretch>
+            <a:fillRect/>
+          </a:stretch>
+        </p:blipFill>
+        <p:spPr bwMode="auto">
+          <a:xfrm>
+            <a:off x="6986248" y="3968151"/>
+            <a:ext cx="4645035" cy="2594083"/>
+          </a:xfrm>
+          <a:prstGeom prst="rect">
+            <a:avLst/>
+          </a:prstGeom>
+          <a:noFill/>
+          <a:extLst>
+            <a:ext uri="{909E8E84-426E-40DD-AFC4-6F175D3DCCD1}">
+              <a14:hiddenFill xmlns:a14="http://schemas.microsoft.com/office/drawing/2010/main">
+                <a:solidFill>
+                  <a:srgbClr val="FFFFFF"/>
+                </a:solidFill>
+              </a14:hiddenFill>
+            </a:ext>
+          </a:extLst>
+        </p:spPr>
+      </p:pic>
     </p:spTree>
     <p:extLst>
       <p:ext uri="{BB962C8B-B14F-4D97-AF65-F5344CB8AC3E}">
@@ -14768,6 +14874,45 @@
           </a:p>
         </p:txBody>
       </p:sp>
+      <p:pic>
+        <p:nvPicPr>
+          <p:cNvPr id="3074" name="Picture 2" descr="Image result for shadowrun"/>
+          <p:cNvPicPr>
+            <a:picLocks noChangeAspect="1" noChangeArrowheads="1"/>
+          </p:cNvPicPr>
+          <p:nvPr/>
+        </p:nvPicPr>
+        <p:blipFill rotWithShape="1">
+          <a:blip r:embed="rId2">
+            <a:extLst>
+              <a:ext uri="{28A0092B-C50C-407E-A947-70E740481C1C}">
+                <a14:useLocalDpi xmlns:a14="http://schemas.microsoft.com/office/drawing/2010/main" val="0"/>
+              </a:ext>
+            </a:extLst>
+          </a:blip>
+          <a:srcRect b="11540"/>
+          <a:stretch/>
+        </p:blipFill>
+        <p:spPr bwMode="auto">
+          <a:xfrm>
+            <a:off x="7202456" y="3163542"/>
+            <a:ext cx="4391445" cy="2909454"/>
+          </a:xfrm>
+          <a:prstGeom prst="rect">
+            <a:avLst/>
+          </a:prstGeom>
+          <a:noFill/>
+          <a:extLst>
+            <a:ext uri="{909E8E84-426E-40DD-AFC4-6F175D3DCCD1}">
+              <a14:hiddenFill xmlns:a14="http://schemas.microsoft.com/office/drawing/2010/main">
+                <a:solidFill>
+                  <a:srgbClr val="FFFFFF"/>
+                </a:solidFill>
+              </a14:hiddenFill>
+            </a:ext>
+          </a:extLst>
+        </p:spPr>
+      </p:pic>
     </p:spTree>
     <p:extLst>
       <p:ext uri="{BB962C8B-B14F-4D97-AF65-F5344CB8AC3E}">
@@ -14888,6 +15033,30 @@
           </a:p>
         </p:txBody>
       </p:sp>
+      <p:pic>
+        <p:nvPicPr>
+          <p:cNvPr id="3" name="Picture 2"/>
+          <p:cNvPicPr>
+            <a:picLocks noChangeAspect="1"/>
+          </p:cNvPicPr>
+          <p:nvPr/>
+        </p:nvPicPr>
+        <p:blipFill>
+          <a:blip r:embed="rId2"/>
+          <a:stretch>
+            <a:fillRect/>
+          </a:stretch>
+        </p:blipFill>
+        <p:spPr>
+          <a:xfrm>
+            <a:off x="7002037" y="3843414"/>
+            <a:ext cx="4911042" cy="2773045"/>
+          </a:xfrm>
+          <a:prstGeom prst="rect">
+            <a:avLst/>
+          </a:prstGeom>
+        </p:spPr>
+      </p:pic>
     </p:spTree>
     <p:extLst>
       <p:ext uri="{BB962C8B-B14F-4D97-AF65-F5344CB8AC3E}">
@@ -15005,6 +15174,296 @@
               <a:rPr lang="en-GB" dirty="0"/>
               <a:t>We did keep to schedule and we did work well after our initial problems</a:t>
             </a:r>
+          </a:p>
+        </p:txBody>
+      </p:sp>
+      <p:pic>
+        <p:nvPicPr>
+          <p:cNvPr id="4098" name="Picture 2" descr="https://img.clipartfest.com/b0d45c98d99d8f49afb15d3fca5656a6_pictures-of-communication-no-communication-clipart_339-200.jpeg"/>
+          <p:cNvPicPr>
+            <a:picLocks noChangeAspect="1" noChangeArrowheads="1"/>
+          </p:cNvPicPr>
+          <p:nvPr/>
+        </p:nvPicPr>
+        <p:blipFill rotWithShape="1">
+          <a:blip r:embed="rId2">
+            <a:extLst>
+              <a:ext uri="{28A0092B-C50C-407E-A947-70E740481C1C}">
+                <a14:useLocalDpi xmlns:a14="http://schemas.microsoft.com/office/drawing/2010/main" val="0"/>
+              </a:ext>
+            </a:extLst>
+          </a:blip>
+          <a:srcRect r="64605"/>
+          <a:stretch/>
+        </p:blipFill>
+        <p:spPr bwMode="auto">
+          <a:xfrm>
+            <a:off x="8760215" y="4495082"/>
+            <a:ext cx="1142910" cy="1905000"/>
+          </a:xfrm>
+          <a:prstGeom prst="rect">
+            <a:avLst/>
+          </a:prstGeom>
+          <a:noFill/>
+          <a:extLst>
+            <a:ext uri="{909E8E84-426E-40DD-AFC4-6F175D3DCCD1}">
+              <a14:hiddenFill xmlns:a14="http://schemas.microsoft.com/office/drawing/2010/main">
+                <a:solidFill>
+                  <a:srgbClr val="FFFFFF"/>
+                </a:solidFill>
+              </a14:hiddenFill>
+            </a:ext>
+          </a:extLst>
+        </p:spPr>
+      </p:pic>
+      <p:pic>
+        <p:nvPicPr>
+          <p:cNvPr id="4100" name="Picture 4" descr="https://img.clipartfest.com/b0d45c98d99d8f49afb15d3fca5656a6_pictures-of-communication-no-communication-clipart_339-200.jpeg"/>
+          <p:cNvPicPr>
+            <a:picLocks noChangeAspect="1" noChangeArrowheads="1"/>
+          </p:cNvPicPr>
+          <p:nvPr/>
+        </p:nvPicPr>
+        <p:blipFill rotWithShape="1">
+          <a:blip r:embed="rId2">
+            <a:extLst>
+              <a:ext uri="{28A0092B-C50C-407E-A947-70E740481C1C}">
+                <a14:useLocalDpi xmlns:a14="http://schemas.microsoft.com/office/drawing/2010/main" val="0"/>
+              </a:ext>
+            </a:extLst>
+          </a:blip>
+          <a:srcRect l="61577"/>
+          <a:stretch/>
+        </p:blipFill>
+        <p:spPr bwMode="auto">
+          <a:xfrm>
+            <a:off x="10748513" y="4495082"/>
+            <a:ext cx="1240677" cy="1905000"/>
+          </a:xfrm>
+          <a:prstGeom prst="rect">
+            <a:avLst/>
+          </a:prstGeom>
+          <a:noFill/>
+          <a:extLst>
+            <a:ext uri="{909E8E84-426E-40DD-AFC4-6F175D3DCCD1}">
+              <a14:hiddenFill xmlns:a14="http://schemas.microsoft.com/office/drawing/2010/main">
+                <a:solidFill>
+                  <a:srgbClr val="FFFFFF"/>
+                </a:solidFill>
+              </a14:hiddenFill>
+            </a:ext>
+          </a:extLst>
+        </p:spPr>
+      </p:pic>
+      <p:sp>
+        <p:nvSpPr>
+          <p:cNvPr id="3" name="Freeform: Shape 2"/>
+          <p:cNvSpPr/>
+          <p:nvPr/>
+        </p:nvSpPr>
+        <p:spPr>
+          <a:xfrm>
+            <a:off x="9903125" y="5598543"/>
+            <a:ext cx="792317" cy="1148897"/>
+          </a:xfrm>
+          <a:custGeom>
+            <a:avLst/>
+            <a:gdLst>
+              <a:gd name="connsiteX0" fmla="*/ 0 w 792317"/>
+              <a:gd name="connsiteY0" fmla="*/ 0 h 1148897"/>
+              <a:gd name="connsiteX1" fmla="*/ 284671 w 792317"/>
+              <a:gd name="connsiteY1" fmla="*/ 491706 h 1148897"/>
+              <a:gd name="connsiteX2" fmla="*/ 112143 w 792317"/>
+              <a:gd name="connsiteY2" fmla="*/ 931653 h 1148897"/>
+              <a:gd name="connsiteX3" fmla="*/ 224286 w 792317"/>
+              <a:gd name="connsiteY3" fmla="*/ 1147314 h 1148897"/>
+              <a:gd name="connsiteX4" fmla="*/ 759124 w 792317"/>
+              <a:gd name="connsiteY4" fmla="*/ 1035170 h 1148897"/>
+              <a:gd name="connsiteX5" fmla="*/ 690113 w 792317"/>
+              <a:gd name="connsiteY5" fmla="*/ 1147314 h 1148897"/>
+            </a:gdLst>
+            <a:ahLst/>
+            <a:cxnLst>
+              <a:cxn ang="0">
+                <a:pos x="connsiteX0" y="connsiteY0"/>
+              </a:cxn>
+              <a:cxn ang="0">
+                <a:pos x="connsiteX1" y="connsiteY1"/>
+              </a:cxn>
+              <a:cxn ang="0">
+                <a:pos x="connsiteX2" y="connsiteY2"/>
+              </a:cxn>
+              <a:cxn ang="0">
+                <a:pos x="connsiteX3" y="connsiteY3"/>
+              </a:cxn>
+              <a:cxn ang="0">
+                <a:pos x="connsiteX4" y="connsiteY4"/>
+              </a:cxn>
+              <a:cxn ang="0">
+                <a:pos x="connsiteX5" y="connsiteY5"/>
+              </a:cxn>
+            </a:cxnLst>
+            <a:rect l="l" t="t" r="r" b="b"/>
+            <a:pathLst>
+              <a:path w="792317" h="1148897">
+                <a:moveTo>
+                  <a:pt x="0" y="0"/>
+                </a:moveTo>
+                <a:cubicBezTo>
+                  <a:pt x="132990" y="168215"/>
+                  <a:pt x="265980" y="336430"/>
+                  <a:pt x="284671" y="491706"/>
+                </a:cubicBezTo>
+                <a:cubicBezTo>
+                  <a:pt x="303362" y="646982"/>
+                  <a:pt x="122207" y="822385"/>
+                  <a:pt x="112143" y="931653"/>
+                </a:cubicBezTo>
+                <a:cubicBezTo>
+                  <a:pt x="102079" y="1040921"/>
+                  <a:pt x="116456" y="1130061"/>
+                  <a:pt x="224286" y="1147314"/>
+                </a:cubicBezTo>
+                <a:cubicBezTo>
+                  <a:pt x="332116" y="1164567"/>
+                  <a:pt x="681486" y="1035170"/>
+                  <a:pt x="759124" y="1035170"/>
+                </a:cubicBezTo>
+                <a:cubicBezTo>
+                  <a:pt x="836762" y="1035170"/>
+                  <a:pt x="763437" y="1091242"/>
+                  <a:pt x="690113" y="1147314"/>
+                </a:cubicBezTo>
+              </a:path>
+            </a:pathLst>
+          </a:custGeom>
+        </p:spPr>
+        <p:style>
+          <a:lnRef idx="1">
+            <a:schemeClr val="dk1"/>
+          </a:lnRef>
+          <a:fillRef idx="0">
+            <a:schemeClr val="dk1"/>
+          </a:fillRef>
+          <a:effectRef idx="0">
+            <a:schemeClr val="dk1"/>
+          </a:effectRef>
+          <a:fontRef idx="minor">
+            <a:schemeClr val="tx1"/>
+          </a:fontRef>
+        </p:style>
+        <p:txBody>
+          <a:bodyPr rtlCol="0" anchor="ctr"/>
+          <a:lstStyle/>
+          <a:p>
+            <a:pPr algn="ctr"/>
+            <a:endParaRPr lang="en-GB"/>
+          </a:p>
+        </p:txBody>
+      </p:sp>
+      <p:sp>
+        <p:nvSpPr>
+          <p:cNvPr id="5" name="Freeform: Shape 4"/>
+          <p:cNvSpPr/>
+          <p:nvPr/>
+        </p:nvSpPr>
+        <p:spPr>
+          <a:xfrm>
+            <a:off x="10692412" y="5669280"/>
+            <a:ext cx="1177688" cy="967943"/>
+          </a:xfrm>
+          <a:custGeom>
+            <a:avLst/>
+            <a:gdLst>
+              <a:gd name="connsiteX0" fmla="*/ 67028 w 1177688"/>
+              <a:gd name="connsiteY0" fmla="*/ 0 h 967943"/>
+              <a:gd name="connsiteX1" fmla="*/ 28928 w 1177688"/>
+              <a:gd name="connsiteY1" fmla="*/ 259080 h 967943"/>
+              <a:gd name="connsiteX2" fmla="*/ 440408 w 1177688"/>
+              <a:gd name="connsiteY2" fmla="*/ 800100 h 967943"/>
+              <a:gd name="connsiteX3" fmla="*/ 897608 w 1177688"/>
+              <a:gd name="connsiteY3" fmla="*/ 853440 h 967943"/>
+              <a:gd name="connsiteX4" fmla="*/ 1141448 w 1177688"/>
+              <a:gd name="connsiteY4" fmla="*/ 967740 h 967943"/>
+              <a:gd name="connsiteX5" fmla="*/ 1171928 w 1177688"/>
+              <a:gd name="connsiteY5" fmla="*/ 822960 h 967943"/>
+            </a:gdLst>
+            <a:ahLst/>
+            <a:cxnLst>
+              <a:cxn ang="0">
+                <a:pos x="connsiteX0" y="connsiteY0"/>
+              </a:cxn>
+              <a:cxn ang="0">
+                <a:pos x="connsiteX1" y="connsiteY1"/>
+              </a:cxn>
+              <a:cxn ang="0">
+                <a:pos x="connsiteX2" y="connsiteY2"/>
+              </a:cxn>
+              <a:cxn ang="0">
+                <a:pos x="connsiteX3" y="connsiteY3"/>
+              </a:cxn>
+              <a:cxn ang="0">
+                <a:pos x="connsiteX4" y="connsiteY4"/>
+              </a:cxn>
+              <a:cxn ang="0">
+                <a:pos x="connsiteX5" y="connsiteY5"/>
+              </a:cxn>
+            </a:cxnLst>
+            <a:rect l="l" t="t" r="r" b="b"/>
+            <a:pathLst>
+              <a:path w="1177688" h="967943">
+                <a:moveTo>
+                  <a:pt x="67028" y="0"/>
+                </a:moveTo>
+                <a:cubicBezTo>
+                  <a:pt x="16863" y="62865"/>
+                  <a:pt x="-33302" y="125730"/>
+                  <a:pt x="28928" y="259080"/>
+                </a:cubicBezTo>
+                <a:cubicBezTo>
+                  <a:pt x="91158" y="392430"/>
+                  <a:pt x="295628" y="701040"/>
+                  <a:pt x="440408" y="800100"/>
+                </a:cubicBezTo>
+                <a:cubicBezTo>
+                  <a:pt x="585188" y="899160"/>
+                  <a:pt x="780768" y="825500"/>
+                  <a:pt x="897608" y="853440"/>
+                </a:cubicBezTo>
+                <a:cubicBezTo>
+                  <a:pt x="1014448" y="881380"/>
+                  <a:pt x="1095728" y="972820"/>
+                  <a:pt x="1141448" y="967740"/>
+                </a:cubicBezTo>
+                <a:cubicBezTo>
+                  <a:pt x="1187168" y="962660"/>
+                  <a:pt x="1179548" y="892810"/>
+                  <a:pt x="1171928" y="822960"/>
+                </a:cubicBezTo>
+              </a:path>
+            </a:pathLst>
+          </a:custGeom>
+        </p:spPr>
+        <p:style>
+          <a:lnRef idx="1">
+            <a:schemeClr val="dk1"/>
+          </a:lnRef>
+          <a:fillRef idx="0">
+            <a:schemeClr val="dk1"/>
+          </a:fillRef>
+          <a:effectRef idx="0">
+            <a:schemeClr val="dk1"/>
+          </a:effectRef>
+          <a:fontRef idx="minor">
+            <a:schemeClr val="tx1"/>
+          </a:fontRef>
+        </p:style>
+        <p:txBody>
+          <a:bodyPr rtlCol="0" anchor="ctr"/>
+          <a:lstStyle/>
+          <a:p>
+            <a:pPr algn="ctr"/>
+            <a:endParaRPr lang="en-GB"/>
           </a:p>
         </p:txBody>
       </p:sp>
@@ -15135,6 +15594,47 @@
           </a:p>
         </p:txBody>
       </p:sp>
+      <p:pic>
+        <p:nvPicPr>
+          <p:cNvPr id="5122" name="Picture 2" descr="http://helenwillsher.com/wp-content/uploads/2013/08/stockfresh_2195796_developing-skills_sizeXS.jpg"/>
+          <p:cNvPicPr>
+            <a:picLocks noChangeAspect="1" noChangeArrowheads="1"/>
+          </p:cNvPicPr>
+          <p:nvPr/>
+        </p:nvPicPr>
+        <p:blipFill>
+          <a:blip r:embed="rId2">
+            <a:extLst>
+              <a:ext uri="{28A0092B-C50C-407E-A947-70E740481C1C}">
+                <a14:useLocalDpi xmlns:a14="http://schemas.microsoft.com/office/drawing/2010/main" val="0"/>
+              </a:ext>
+            </a:extLst>
+          </a:blip>
+          <a:srcRect/>
+          <a:stretch>
+            <a:fillRect/>
+          </a:stretch>
+        </p:blipFill>
+        <p:spPr bwMode="auto">
+          <a:xfrm>
+            <a:off x="7884634" y="3462247"/>
+            <a:ext cx="3686175" cy="2952750"/>
+          </a:xfrm>
+          <a:prstGeom prst="rect">
+            <a:avLst/>
+          </a:prstGeom>
+          <a:noFill/>
+          <a:extLst>
+            <a:ext uri="{909E8E84-426E-40DD-AFC4-6F175D3DCCD1}">
+              <a14:hiddenFill xmlns:a14="http://schemas.microsoft.com/office/drawing/2010/main">
+                <a:solidFill>
+                  <a:srgbClr val="FFFFFF"/>
+                </a:solidFill>
+              </a14:hiddenFill>
+            </a:ext>
+          </a:extLst>
+        </p:spPr>
+      </p:pic>
     </p:spTree>
     <p:extLst>
       <p:ext uri="{BB962C8B-B14F-4D97-AF65-F5344CB8AC3E}">
@@ -15293,7 +15793,7 @@
         </p:blipFill>
         <p:spPr>
           <a:xfrm>
-            <a:off x="5820924" y="2507827"/>
+            <a:off x="6438144" y="2784826"/>
             <a:ext cx="4818023" cy="3451860"/>
           </a:xfrm>
           <a:prstGeom prst="rect">
